--- a/RAP Presentationen/RAP_UNIT_TEST_DE.pptx
+++ b/RAP Presentationen/RAP_UNIT_TEST_DE.pptx
@@ -209,7 +209,7 @@
           <a:p>
             <a:fld id="{4ABEF76A-A04F-1741-83E3-2CAB9D227225}" type="datetimeFigureOut">
               <a:rPr lang="de-DE" smtClean="0"/>
-              <a:t>20.06.24</a:t>
+              <a:t>21.06.24</a:t>
             </a:fld>
             <a:endParaRPr lang="de-DE"/>
           </a:p>
@@ -707,7 +707,7 @@
           <a:p>
             <a:fld id="{6D5CDF9B-D398-4250-A5D8-5FB8CF89A66D}" type="datetimeFigureOut">
               <a:rPr lang="de-DE" smtClean="0"/>
-              <a:t>20.06.24</a:t>
+              <a:t>21.06.24</a:t>
             </a:fld>
             <a:endParaRPr lang="de-DE"/>
           </a:p>
@@ -905,7 +905,7 @@
           <a:p>
             <a:fld id="{6D5CDF9B-D398-4250-A5D8-5FB8CF89A66D}" type="datetimeFigureOut">
               <a:rPr lang="de-DE" smtClean="0"/>
-              <a:t>20.06.24</a:t>
+              <a:t>21.06.24</a:t>
             </a:fld>
             <a:endParaRPr lang="de-DE"/>
           </a:p>
@@ -1113,7 +1113,7 @@
           <a:p>
             <a:fld id="{6D5CDF9B-D398-4250-A5D8-5FB8CF89A66D}" type="datetimeFigureOut">
               <a:rPr lang="de-DE" smtClean="0"/>
-              <a:t>20.06.24</a:t>
+              <a:t>21.06.24</a:t>
             </a:fld>
             <a:endParaRPr lang="de-DE"/>
           </a:p>
@@ -1311,7 +1311,7 @@
           <a:p>
             <a:fld id="{6D5CDF9B-D398-4250-A5D8-5FB8CF89A66D}" type="datetimeFigureOut">
               <a:rPr lang="de-DE" smtClean="0"/>
-              <a:t>20.06.24</a:t>
+              <a:t>21.06.24</a:t>
             </a:fld>
             <a:endParaRPr lang="de-DE"/>
           </a:p>
@@ -1586,7 +1586,7 @@
           <a:p>
             <a:fld id="{6D5CDF9B-D398-4250-A5D8-5FB8CF89A66D}" type="datetimeFigureOut">
               <a:rPr lang="de-DE" smtClean="0"/>
-              <a:t>20.06.24</a:t>
+              <a:t>21.06.24</a:t>
             </a:fld>
             <a:endParaRPr lang="de-DE"/>
           </a:p>
@@ -1851,7 +1851,7 @@
           <a:p>
             <a:fld id="{6D5CDF9B-D398-4250-A5D8-5FB8CF89A66D}" type="datetimeFigureOut">
               <a:rPr lang="de-DE" smtClean="0"/>
-              <a:t>20.06.24</a:t>
+              <a:t>21.06.24</a:t>
             </a:fld>
             <a:endParaRPr lang="de-DE"/>
           </a:p>
@@ -2263,7 +2263,7 @@
           <a:p>
             <a:fld id="{6D5CDF9B-D398-4250-A5D8-5FB8CF89A66D}" type="datetimeFigureOut">
               <a:rPr lang="de-DE" smtClean="0"/>
-              <a:t>20.06.24</a:t>
+              <a:t>21.06.24</a:t>
             </a:fld>
             <a:endParaRPr lang="de-DE"/>
           </a:p>
@@ -2404,7 +2404,7 @@
           <a:p>
             <a:fld id="{6D5CDF9B-D398-4250-A5D8-5FB8CF89A66D}" type="datetimeFigureOut">
               <a:rPr lang="de-DE" smtClean="0"/>
-              <a:t>20.06.24</a:t>
+              <a:t>21.06.24</a:t>
             </a:fld>
             <a:endParaRPr lang="de-DE"/>
           </a:p>
@@ -2517,7 +2517,7 @@
           <a:p>
             <a:fld id="{6D5CDF9B-D398-4250-A5D8-5FB8CF89A66D}" type="datetimeFigureOut">
               <a:rPr lang="de-DE" smtClean="0"/>
-              <a:t>20.06.24</a:t>
+              <a:t>21.06.24</a:t>
             </a:fld>
             <a:endParaRPr lang="de-DE"/>
           </a:p>
@@ -2828,7 +2828,7 @@
           <a:p>
             <a:fld id="{6D5CDF9B-D398-4250-A5D8-5FB8CF89A66D}" type="datetimeFigureOut">
               <a:rPr lang="de-DE" smtClean="0"/>
-              <a:t>20.06.24</a:t>
+              <a:t>21.06.24</a:t>
             </a:fld>
             <a:endParaRPr lang="de-DE"/>
           </a:p>
@@ -3116,7 +3116,7 @@
           <a:p>
             <a:fld id="{6D5CDF9B-D398-4250-A5D8-5FB8CF89A66D}" type="datetimeFigureOut">
               <a:rPr lang="de-DE" smtClean="0"/>
-              <a:t>20.06.24</a:t>
+              <a:t>21.06.24</a:t>
             </a:fld>
             <a:endParaRPr lang="de-DE"/>
           </a:p>
@@ -3357,7 +3357,7 @@
           <a:p>
             <a:fld id="{6D5CDF9B-D398-4250-A5D8-5FB8CF89A66D}" type="datetimeFigureOut">
               <a:rPr lang="de-DE" smtClean="0"/>
-              <a:t>20.06.24</a:t>
+              <a:t>21.06.24</a:t>
             </a:fld>
             <a:endParaRPr lang="de-DE"/>
           </a:p>
